--- a/file/第1章 概论.pptx
+++ b/file/第1章 概论.pptx
@@ -23201,9 +23201,13 @@
                       </a:pPr>
                       <a:r>
                         <a:rPr lang="en-US" altLang="zh-CN"/>
-                        <a:t>3</a:t>
+                        <a:t>2</a:t>
                       </a:r>
-                      <a:endParaRPr lang="en-US" altLang="zh-CN"/>
+                      <a:r>
+                        <a:rPr lang="en-US" altLang="zh-CN" baseline="30000"/>
+                        <a:t>2</a:t>
+                      </a:r>
+                      <a:endParaRPr lang="en-US" altLang="zh-CN" baseline="30000"/>
                     </a:p>
                   </a:txBody>
                   <a:tcPr/>
@@ -23217,9 +23221,13 @@
                       </a:pPr>
                       <a:r>
                         <a:rPr lang="en-US" altLang="zh-CN"/>
-                        <a:t>4</a:t>
+                        <a:t>2</a:t>
                       </a:r>
-                      <a:endParaRPr lang="en-US" altLang="zh-CN"/>
+                      <a:r>
+                        <a:rPr lang="en-US" altLang="zh-CN" baseline="30000"/>
+                        <a:t>3</a:t>
+                      </a:r>
+                      <a:endParaRPr lang="en-US" altLang="zh-CN" baseline="30000"/>
                     </a:p>
                   </a:txBody>
                   <a:tcPr/>
@@ -23249,9 +23257,13 @@
                       </a:pPr>
                       <a:r>
                         <a:rPr lang="en-US" altLang="zh-CN"/>
-                        <a:t>n</a:t>
+                        <a:t>2</a:t>
                       </a:r>
-                      <a:endParaRPr lang="en-US" altLang="zh-CN"/>
+                      <a:r>
+                        <a:rPr lang="en-US" altLang="zh-CN" baseline="30000"/>
+                        <a:t>k</a:t>
+                      </a:r>
+                      <a:endParaRPr lang="en-US" altLang="zh-CN" baseline="30000"/>
                     </a:p>
                   </a:txBody>
                   <a:tcPr/>
@@ -23271,7 +23283,15 @@
                           <a:ea typeface="宋体" panose="02010600030101010101" pitchFamily="2" charset="-122"/>
                           <a:sym typeface="+mn-ea"/>
                         </a:rPr>
-                        <a:t>外环次数</a:t>
+                        <a:t>内环</a:t>
+                      </a:r>
+                      <a:r>
+                        <a:rPr lang="zh-CN" altLang="en-US" sz="1800">
+                          <a:latin typeface="宋体" panose="02010600030101010101" pitchFamily="2" charset="-122"/>
+                          <a:ea typeface="宋体" panose="02010600030101010101" pitchFamily="2" charset="-122"/>
+                          <a:sym typeface="+mn-ea"/>
+                        </a:rPr>
+                        <a:t>执行</a:t>
                       </a:r>
                       <a:endParaRPr lang="en-US" altLang="zh-CN">
                         <a:latin typeface="宋体" panose="02010600030101010101" pitchFamily="2" charset="-122"/>
@@ -23841,9 +23861,13 @@
                       </a:pPr>
                       <a:r>
                         <a:rPr lang="en-US" altLang="zh-CN"/>
-                        <a:t>3</a:t>
+                        <a:t>2</a:t>
                       </a:r>
-                      <a:endParaRPr lang="en-US" altLang="zh-CN"/>
+                      <a:r>
+                        <a:rPr lang="en-US" altLang="zh-CN" baseline="30000"/>
+                        <a:t>2</a:t>
+                      </a:r>
+                      <a:endParaRPr lang="en-US" altLang="zh-CN" baseline="30000"/>
                     </a:p>
                   </a:txBody>
                   <a:tcPr/>
@@ -23857,9 +23881,13 @@
                       </a:pPr>
                       <a:r>
                         <a:rPr lang="en-US" altLang="zh-CN"/>
-                        <a:t>4</a:t>
+                        <a:t>2</a:t>
                       </a:r>
-                      <a:endParaRPr lang="en-US" altLang="zh-CN"/>
+                      <a:r>
+                        <a:rPr lang="en-US" altLang="zh-CN" baseline="30000"/>
+                        <a:t>3</a:t>
+                      </a:r>
+                      <a:endParaRPr lang="en-US" altLang="zh-CN" baseline="30000"/>
                     </a:p>
                   </a:txBody>
                   <a:tcPr/>
@@ -23889,9 +23917,13 @@
                       </a:pPr>
                       <a:r>
                         <a:rPr lang="en-US" altLang="zh-CN"/>
+                        <a:t>2</a:t>
+                      </a:r>
+                      <a:r>
+                        <a:rPr lang="en-US" altLang="zh-CN" baseline="30000"/>
                         <a:t>k</a:t>
                       </a:r>
-                      <a:endParaRPr lang="en-US" altLang="zh-CN"/>
+                      <a:endParaRPr lang="en-US" altLang="zh-CN" baseline="30000"/>
                     </a:p>
                   </a:txBody>
                   <a:tcPr/>
@@ -24400,9 +24432,13 @@
                       </a:pPr>
                       <a:r>
                         <a:rPr lang="en-US" altLang="zh-CN"/>
-                        <a:t>4</a:t>
+                        <a:t>2</a:t>
                       </a:r>
-                      <a:endParaRPr lang="en-US" altLang="zh-CN"/>
+                      <a:r>
+                        <a:rPr lang="en-US" altLang="zh-CN" baseline="30000"/>
+                        <a:t>2</a:t>
+                      </a:r>
+                      <a:endParaRPr lang="en-US" altLang="zh-CN" baseline="30000"/>
                     </a:p>
                   </a:txBody>
                   <a:tcPr/>
@@ -24416,9 +24452,13 @@
                       </a:pPr>
                       <a:r>
                         <a:rPr lang="en-US" altLang="zh-CN"/>
-                        <a:t>8</a:t>
+                        <a:t>2</a:t>
                       </a:r>
-                      <a:endParaRPr lang="en-US" altLang="zh-CN"/>
+                      <a:r>
+                        <a:rPr lang="en-US" altLang="zh-CN" baseline="30000"/>
+                        <a:t>3</a:t>
+                      </a:r>
+                      <a:endParaRPr lang="en-US" altLang="zh-CN" baseline="30000"/>
                     </a:p>
                   </a:txBody>
                   <a:tcPr/>
@@ -24448,9 +24488,13 @@
                       </a:pPr>
                       <a:r>
                         <a:rPr lang="en-US" altLang="zh-CN"/>
-                        <a:t>n</a:t>
+                        <a:t>2</a:t>
                       </a:r>
-                      <a:endParaRPr lang="en-US" altLang="zh-CN"/>
+                      <a:r>
+                        <a:rPr lang="en-US" altLang="zh-CN" baseline="30000"/>
+                        <a:t>k</a:t>
+                      </a:r>
+                      <a:endParaRPr lang="en-US" altLang="zh-CN" baseline="30000"/>
                     </a:p>
                   </a:txBody>
                   <a:tcPr/>

--- a/file/第1章 概论.pptx
+++ b/file/第1章 概论.pptx
@@ -22478,9 +22478,13 @@
                       </a:pPr>
                       <a:r>
                         <a:rPr lang="en-US" altLang="zh-CN"/>
-                        <a:t>4</a:t>
+                        <a:t>2</a:t>
                       </a:r>
-                      <a:endParaRPr lang="en-US" altLang="zh-CN"/>
+                      <a:r>
+                        <a:rPr lang="en-US" altLang="zh-CN" baseline="30000"/>
+                        <a:t>2</a:t>
+                      </a:r>
+                      <a:endParaRPr lang="en-US" altLang="zh-CN" baseline="30000"/>
                     </a:p>
                   </a:txBody>
                   <a:tcPr/>
@@ -22494,9 +22498,13 @@
                       </a:pPr>
                       <a:r>
                         <a:rPr lang="en-US" altLang="zh-CN"/>
-                        <a:t>8</a:t>
+                        <a:t>2</a:t>
                       </a:r>
-                      <a:endParaRPr lang="en-US" altLang="zh-CN"/>
+                      <a:r>
+                        <a:rPr lang="en-US" altLang="zh-CN" baseline="30000"/>
+                        <a:t>3</a:t>
+                      </a:r>
+                      <a:endParaRPr lang="en-US" altLang="zh-CN" baseline="30000"/>
                     </a:p>
                   </a:txBody>
                   <a:tcPr/>
@@ -22526,9 +22534,13 @@
                       </a:pPr>
                       <a:r>
                         <a:rPr lang="en-US" altLang="zh-CN"/>
-                        <a:t>n</a:t>
+                        <a:t>2</a:t>
                       </a:r>
-                      <a:endParaRPr lang="en-US" altLang="zh-CN"/>
+                      <a:r>
+                        <a:rPr lang="en-US" altLang="zh-CN" baseline="30000"/>
+                        <a:t>k</a:t>
+                      </a:r>
+                      <a:endParaRPr lang="en-US" altLang="zh-CN" baseline="30000"/>
                     </a:p>
                   </a:txBody>
                   <a:tcPr/>
@@ -23201,13 +23213,9 @@
                       </a:pPr>
                       <a:r>
                         <a:rPr lang="en-US" altLang="zh-CN"/>
-                        <a:t>2</a:t>
+                        <a:t>3</a:t>
                       </a:r>
-                      <a:r>
-                        <a:rPr lang="en-US" altLang="zh-CN" baseline="30000"/>
-                        <a:t>2</a:t>
-                      </a:r>
-                      <a:endParaRPr lang="en-US" altLang="zh-CN" baseline="30000"/>
+                      <a:endParaRPr lang="en-US" altLang="zh-CN"/>
                     </a:p>
                   </a:txBody>
                   <a:tcPr/>
@@ -23221,13 +23229,9 @@
                       </a:pPr>
                       <a:r>
                         <a:rPr lang="en-US" altLang="zh-CN"/>
-                        <a:t>2</a:t>
+                        <a:t>4</a:t>
                       </a:r>
-                      <a:r>
-                        <a:rPr lang="en-US" altLang="zh-CN" baseline="30000"/>
-                        <a:t>3</a:t>
-                      </a:r>
-                      <a:endParaRPr lang="en-US" altLang="zh-CN" baseline="30000"/>
+                      <a:endParaRPr lang="en-US" altLang="zh-CN"/>
                     </a:p>
                   </a:txBody>
                   <a:tcPr/>
@@ -23243,7 +23247,7 @@
                         <a:rPr lang="en-US" altLang="zh-CN"/>
                         <a:t>...</a:t>
                       </a:r>
-                      <a:endParaRPr lang="en-US" altLang="zh-CN"/>
+                      <a:endParaRPr lang="zh-CN" altLang="en-US"/>
                     </a:p>
                   </a:txBody>
                   <a:tcPr/>
@@ -23257,13 +23261,9 @@
                       </a:pPr>
                       <a:r>
                         <a:rPr lang="en-US" altLang="zh-CN"/>
-                        <a:t>2</a:t>
+                        <a:t>n</a:t>
                       </a:r>
-                      <a:r>
-                        <a:rPr lang="en-US" altLang="zh-CN" baseline="30000"/>
-                        <a:t>k</a:t>
-                      </a:r>
-                      <a:endParaRPr lang="en-US" altLang="zh-CN" baseline="30000"/>
+                      <a:endParaRPr lang="en-US" altLang="zh-CN"/>
                     </a:p>
                   </a:txBody>
                   <a:tcPr/>
@@ -23943,7 +23943,7 @@
                           <a:ea typeface="宋体" panose="02010600030101010101" pitchFamily="2" charset="-122"/>
                           <a:sym typeface="+mn-ea"/>
                         </a:rPr>
-                        <a:t>外环次数</a:t>
+                        <a:t>内环次数</a:t>
                       </a:r>
                       <a:endParaRPr lang="en-US" altLang="zh-CN">
                         <a:latin typeface="宋体" panose="02010600030101010101" pitchFamily="2" charset="-122"/>
@@ -24566,7 +24566,47 @@
                       </a:pPr>
                       <a:r>
                         <a:rPr lang="en-US" altLang="zh-CN"/>
-                        <a:t>4</a:t>
+                        <a:t>2</a:t>
+                      </a:r>
+                      <a:r>
+                        <a:rPr lang="en-US" altLang="zh-CN" baseline="30000"/>
+                        <a:t>2</a:t>
+                      </a:r>
+                      <a:endParaRPr lang="en-US" altLang="zh-CN" baseline="30000"/>
+                    </a:p>
+                  </a:txBody>
+                  <a:tcPr/>
+                </a:tc>
+                <a:tc>
+                  <a:txBody>
+                    <a:bodyPr/>
+                    <a:p>
+                      <a:pPr>
+                        <a:buNone/>
+                      </a:pPr>
+                      <a:r>
+                        <a:rPr lang="en-US" altLang="zh-CN"/>
+                        <a:t>2</a:t>
+                      </a:r>
+                      <a:r>
+                        <a:rPr lang="en-US" altLang="zh-CN" baseline="30000"/>
+                        <a:t>3</a:t>
+                      </a:r>
+                      <a:endParaRPr lang="en-US" altLang="zh-CN" baseline="30000"/>
+                    </a:p>
+                  </a:txBody>
+                  <a:tcPr/>
+                </a:tc>
+                <a:tc>
+                  <a:txBody>
+                    <a:bodyPr/>
+                    <a:p>
+                      <a:pPr>
+                        <a:buNone/>
+                      </a:pPr>
+                      <a:r>
+                        <a:rPr lang="en-US" altLang="zh-CN"/>
+                        <a:t>...</a:t>
                       </a:r>
                       <a:endParaRPr lang="en-US" altLang="zh-CN"/>
                     </a:p>
@@ -24582,41 +24622,13 @@
                       </a:pPr>
                       <a:r>
                         <a:rPr lang="en-US" altLang="zh-CN"/>
-                        <a:t>8</a:t>
+                        <a:t>2</a:t>
                       </a:r>
-                      <a:endParaRPr lang="en-US" altLang="zh-CN"/>
-                    </a:p>
-                  </a:txBody>
-                  <a:tcPr/>
-                </a:tc>
-                <a:tc>
-                  <a:txBody>
-                    <a:bodyPr/>
-                    <a:p>
-                      <a:pPr>
-                        <a:buNone/>
-                      </a:pPr>
                       <a:r>
-                        <a:rPr lang="en-US" altLang="zh-CN"/>
-                        <a:t>...</a:t>
+                        <a:rPr lang="en-US" altLang="zh-CN" baseline="30000"/>
+                        <a:t>k</a:t>
                       </a:r>
-                      <a:endParaRPr lang="zh-CN" altLang="en-US"/>
-                    </a:p>
-                  </a:txBody>
-                  <a:tcPr/>
-                </a:tc>
-                <a:tc>
-                  <a:txBody>
-                    <a:bodyPr/>
-                    <a:p>
-                      <a:pPr>
-                        <a:buNone/>
-                      </a:pPr>
-                      <a:r>
-                        <a:rPr lang="en-US" altLang="zh-CN"/>
-                        <a:t>n</a:t>
-                      </a:r>
-                      <a:endParaRPr lang="en-US" altLang="zh-CN"/>
+                      <a:endParaRPr lang="en-US" altLang="zh-CN" baseline="30000"/>
                     </a:p>
                   </a:txBody>
                   <a:tcPr/>
